--- a/presentation/Prezentare Licenta.pptx
+++ b/presentation/Prezentare Licenta.pptx
@@ -15,6 +15,7 @@
     <p:sldId id="264" r:id="rId9"/>
     <p:sldId id="260" r:id="rId10"/>
     <p:sldId id="263" r:id="rId11"/>
+    <p:sldId id="266" r:id="rId12"/>
   </p:sldIdLst>
   <p:sldSz cx="12192000" cy="6858000"/>
   <p:notesSz cx="6858000" cy="9144000"/>
@@ -317,7 +318,7 @@
           <a:p>
             <a:fld id="{5956AE95-0A66-4D15-B30F-C00E5D40DF9F}" type="datetimeFigureOut">
               <a:rPr lang="ro-RO" smtClean="0"/>
-              <a:t>31.05.2022</a:t>
+              <a:t>28.06.2022</a:t>
             </a:fld>
             <a:endParaRPr lang="ro-RO"/>
           </a:p>
@@ -538,7 +539,7 @@
           <a:p>
             <a:fld id="{5956AE95-0A66-4D15-B30F-C00E5D40DF9F}" type="datetimeFigureOut">
               <a:rPr lang="ro-RO" smtClean="0"/>
-              <a:t>31.05.2022</a:t>
+              <a:t>28.06.2022</a:t>
             </a:fld>
             <a:endParaRPr lang="ro-RO"/>
           </a:p>
@@ -718,7 +719,7 @@
           <a:p>
             <a:fld id="{5956AE95-0A66-4D15-B30F-C00E5D40DF9F}" type="datetimeFigureOut">
               <a:rPr lang="ro-RO" smtClean="0"/>
-              <a:t>31.05.2022</a:t>
+              <a:t>28.06.2022</a:t>
             </a:fld>
             <a:endParaRPr lang="ro-RO"/>
           </a:p>
@@ -888,7 +889,7 @@
           <a:p>
             <a:fld id="{5956AE95-0A66-4D15-B30F-C00E5D40DF9F}" type="datetimeFigureOut">
               <a:rPr lang="ro-RO" smtClean="0"/>
-              <a:t>31.05.2022</a:t>
+              <a:t>28.06.2022</a:t>
             </a:fld>
             <a:endParaRPr lang="ro-RO"/>
           </a:p>
@@ -1139,7 +1140,7 @@
           <a:p>
             <a:fld id="{5956AE95-0A66-4D15-B30F-C00E5D40DF9F}" type="datetimeFigureOut">
               <a:rPr lang="ro-RO" smtClean="0"/>
-              <a:t>31.05.2022</a:t>
+              <a:t>28.06.2022</a:t>
             </a:fld>
             <a:endParaRPr lang="ro-RO"/>
           </a:p>
@@ -1462,7 +1463,7 @@
           <a:p>
             <a:fld id="{5956AE95-0A66-4D15-B30F-C00E5D40DF9F}" type="datetimeFigureOut">
               <a:rPr lang="ro-RO" smtClean="0"/>
-              <a:t>31.05.2022</a:t>
+              <a:t>28.06.2022</a:t>
             </a:fld>
             <a:endParaRPr lang="ro-RO"/>
           </a:p>
@@ -1886,7 +1887,7 @@
           <a:p>
             <a:fld id="{5956AE95-0A66-4D15-B30F-C00E5D40DF9F}" type="datetimeFigureOut">
               <a:rPr lang="ro-RO" smtClean="0"/>
-              <a:t>31.05.2022</a:t>
+              <a:t>28.06.2022</a:t>
             </a:fld>
             <a:endParaRPr lang="ro-RO"/>
           </a:p>
@@ -2004,7 +2005,7 @@
           <a:p>
             <a:fld id="{5956AE95-0A66-4D15-B30F-C00E5D40DF9F}" type="datetimeFigureOut">
               <a:rPr lang="ro-RO" smtClean="0"/>
-              <a:t>31.05.2022</a:t>
+              <a:t>28.06.2022</a:t>
             </a:fld>
             <a:endParaRPr lang="ro-RO"/>
           </a:p>
@@ -2099,7 +2100,7 @@
           <a:p>
             <a:fld id="{5956AE95-0A66-4D15-B30F-C00E5D40DF9F}" type="datetimeFigureOut">
               <a:rPr lang="ro-RO" smtClean="0"/>
-              <a:t>31.05.2022</a:t>
+              <a:t>28.06.2022</a:t>
             </a:fld>
             <a:endParaRPr lang="ro-RO"/>
           </a:p>
@@ -2389,7 +2390,7 @@
           <a:p>
             <a:fld id="{5956AE95-0A66-4D15-B30F-C00E5D40DF9F}" type="datetimeFigureOut">
               <a:rPr lang="ro-RO" smtClean="0"/>
-              <a:t>31.05.2022</a:t>
+              <a:t>28.06.2022</a:t>
             </a:fld>
             <a:endParaRPr lang="ro-RO"/>
           </a:p>
@@ -2661,7 +2662,7 @@
           <a:p>
             <a:fld id="{5956AE95-0A66-4D15-B30F-C00E5D40DF9F}" type="datetimeFigureOut">
               <a:rPr lang="ro-RO" smtClean="0"/>
-              <a:t>31.05.2022</a:t>
+              <a:t>28.06.2022</a:t>
             </a:fld>
             <a:endParaRPr lang="ro-RO"/>
           </a:p>
@@ -2915,7 +2916,7 @@
           <a:p>
             <a:fld id="{5956AE95-0A66-4D15-B30F-C00E5D40DF9F}" type="datetimeFigureOut">
               <a:rPr lang="ro-RO" smtClean="0"/>
-              <a:t>31.05.2022</a:t>
+              <a:t>28.06.2022</a:t>
             </a:fld>
             <a:endParaRPr lang="ro-RO"/>
           </a:p>
@@ -3608,8 +3609,8 @@
         </p:nvSpPr>
         <p:spPr>
           <a:xfrm>
-            <a:off x="1037134" y="2387734"/>
-            <a:ext cx="10117732" cy="2082531"/>
+            <a:off x="1066023" y="2889036"/>
+            <a:ext cx="10059953" cy="1079928"/>
           </a:xfrm>
         </p:spPr>
         <p:txBody>
@@ -3619,11 +3620,14 @@
           <a:lstStyle/>
           <a:p>
             <a:r>
-              <a:rPr lang="ro-RO" sz="6600" cap="none" spc="300" dirty="0">
+              <a:rPr lang="en-US" sz="6600" cap="none" spc="300" dirty="0">
                 <a:latin typeface="Cooper Black" panose="0208090404030B020404" pitchFamily="18" charset="0"/>
               </a:rPr>
-              <a:t>Multumesc pentru atentie!</a:t>
-            </a:r>
+              <a:t>DEMO</a:t>
+            </a:r>
+            <a:endParaRPr lang="ro-RO" sz="6600" cap="none" spc="300" dirty="0">
+              <a:latin typeface="Cooper Black" panose="0208090404030B020404" pitchFamily="18" charset="0"/>
+            </a:endParaRPr>
           </a:p>
         </p:txBody>
       </p:sp>
@@ -3671,6 +3675,157 @@
     <p:extLst>
       <p:ext uri="{BB962C8B-B14F-4D97-AF65-F5344CB8AC3E}">
         <p14:creationId xmlns:p14="http://schemas.microsoft.com/office/powerpoint/2010/main" val="3592990550"/>
+      </p:ext>
+    </p:extLst>
+  </p:cSld>
+  <p:clrMapOvr>
+    <a:masterClrMapping/>
+  </p:clrMapOvr>
+</p:sld>
+</file>
+
+<file path=ppt/slides/slide11.xml><?xml version="1.0" encoding="utf-8"?>
+<p:sld xmlns:a="http://schemas.openxmlformats.org/drawingml/2006/main" xmlns:r="http://schemas.openxmlformats.org/officeDocument/2006/relationships" xmlns:p="http://schemas.openxmlformats.org/presentationml/2006/main" showMasterSp="0">
+  <p:cSld>
+    <p:bg>
+      <p:bgPr>
+        <a:solidFill>
+          <a:srgbClr val="FC7B78"/>
+        </a:solidFill>
+        <a:effectLst/>
+      </p:bgPr>
+    </p:bg>
+    <p:spTree>
+      <p:nvGrpSpPr>
+        <p:cNvPr id="1" name=""/>
+        <p:cNvGrpSpPr/>
+        <p:nvPr/>
+      </p:nvGrpSpPr>
+      <p:grpSpPr>
+        <a:xfrm>
+          <a:off x="0" y="0"/>
+          <a:ext cx="0" cy="0"/>
+          <a:chOff x="0" y="0"/>
+          <a:chExt cx="0" cy="0"/>
+        </a:xfrm>
+      </p:grpSpPr>
+      <p:pic>
+        <p:nvPicPr>
+          <p:cNvPr id="5" name="Picture 4">
+            <a:extLst>
+              <a:ext uri="{FF2B5EF4-FFF2-40B4-BE49-F238E27FC236}">
+                <a16:creationId xmlns:a16="http://schemas.microsoft.com/office/drawing/2014/main" id="{402AF358-E837-4C4F-AFB2-558F052D7955}"/>
+              </a:ext>
+            </a:extLst>
+          </p:cNvPr>
+          <p:cNvPicPr>
+            <a:picLocks noChangeAspect="1"/>
+          </p:cNvPicPr>
+          <p:nvPr/>
+        </p:nvPicPr>
+        <p:blipFill>
+          <a:blip r:embed="rId2">
+            <a:extLst>
+              <a:ext uri="{28A0092B-C50C-407E-A947-70E740481C1C}">
+                <a14:useLocalDpi xmlns:a14="http://schemas.microsoft.com/office/drawing/2010/main" val="0"/>
+              </a:ext>
+            </a:extLst>
+          </a:blip>
+          <a:stretch>
+            <a:fillRect/>
+          </a:stretch>
+        </p:blipFill>
+        <p:spPr>
+          <a:xfrm>
+            <a:off x="9715320" y="5778073"/>
+            <a:ext cx="1079927" cy="1079927"/>
+          </a:xfrm>
+          <a:prstGeom prst="rect">
+            <a:avLst/>
+          </a:prstGeom>
+        </p:spPr>
+      </p:pic>
+      <p:sp>
+        <p:nvSpPr>
+          <p:cNvPr id="7" name="Title 6">
+            <a:extLst>
+              <a:ext uri="{FF2B5EF4-FFF2-40B4-BE49-F238E27FC236}">
+                <a16:creationId xmlns:a16="http://schemas.microsoft.com/office/drawing/2014/main" id="{CBE9511E-23A9-419D-8260-278881D51F07}"/>
+              </a:ext>
+            </a:extLst>
+          </p:cNvPr>
+          <p:cNvSpPr>
+            <a:spLocks noGrp="1"/>
+          </p:cNvSpPr>
+          <p:nvPr>
+            <p:ph type="ctrTitle"/>
+          </p:nvPr>
+        </p:nvSpPr>
+        <p:spPr>
+          <a:xfrm>
+            <a:off x="1037134" y="2387734"/>
+            <a:ext cx="10117732" cy="2082531"/>
+          </a:xfrm>
+        </p:spPr>
+        <p:txBody>
+          <a:bodyPr>
+            <a:normAutofit/>
+          </a:bodyPr>
+          <a:lstStyle/>
+          <a:p>
+            <a:r>
+              <a:rPr lang="ro-RO" sz="6600" cap="none" spc="300" dirty="0">
+                <a:latin typeface="Cooper Black" panose="0208090404030B020404" pitchFamily="18" charset="0"/>
+              </a:rPr>
+              <a:t>Multumesc pentru atentie!</a:t>
+            </a:r>
+          </a:p>
+        </p:txBody>
+      </p:sp>
+      <p:sp>
+        <p:nvSpPr>
+          <p:cNvPr id="6" name="TextBox 5">
+            <a:extLst>
+              <a:ext uri="{FF2B5EF4-FFF2-40B4-BE49-F238E27FC236}">
+                <a16:creationId xmlns:a16="http://schemas.microsoft.com/office/drawing/2014/main" id="{31783CD6-A297-4B13-BF0E-40EE5D7C2193}"/>
+              </a:ext>
+            </a:extLst>
+          </p:cNvPr>
+          <p:cNvSpPr txBox="1"/>
+          <p:nvPr/>
+        </p:nvSpPr>
+        <p:spPr>
+          <a:xfrm>
+            <a:off x="10631325" y="6187735"/>
+            <a:ext cx="1047082" cy="461665"/>
+          </a:xfrm>
+          <a:prstGeom prst="rect">
+            <a:avLst/>
+          </a:prstGeom>
+          <a:noFill/>
+        </p:spPr>
+        <p:txBody>
+          <a:bodyPr wrap="none" rtlCol="0">
+            <a:spAutoFit/>
+          </a:bodyPr>
+          <a:lstStyle/>
+          <a:p>
+            <a:r>
+              <a:rPr lang="ro-RO" sz="2400" dirty="0">
+                <a:solidFill>
+                  <a:schemeClr val="bg1"/>
+                </a:solidFill>
+                <a:latin typeface="Cooper Black" panose="0208090404030B020404" pitchFamily="18" charset="0"/>
+              </a:rPr>
+              <a:t>fiteat</a:t>
+            </a:r>
+          </a:p>
+        </p:txBody>
+      </p:sp>
+    </p:spTree>
+    <p:extLst>
+      <p:ext uri="{BB962C8B-B14F-4D97-AF65-F5344CB8AC3E}">
+        <p14:creationId xmlns:p14="http://schemas.microsoft.com/office/powerpoint/2010/main" val="882167861"/>
       </p:ext>
     </p:extLst>
   </p:cSld>
